--- a/Designer de Redes Sociais/Aula 1/Historia das Redes Sociais.pptx
+++ b/Designer de Redes Sociais/Aula 1/Historia das Redes Sociais.pptx
@@ -22,9 +22,8 @@
     <p:sldId id="270" r:id="rId16"/>
     <p:sldId id="271" r:id="rId17"/>
     <p:sldId id="272" r:id="rId18"/>
-    <p:sldId id="275" r:id="rId19"/>
-    <p:sldId id="273" r:id="rId20"/>
-    <p:sldId id="274" r:id="rId21"/>
+    <p:sldId id="273" r:id="rId19"/>
+    <p:sldId id="274" r:id="rId20"/>
   </p:sldIdLst>
   <p:sldSz cx="12192000" cy="6858000"/>
   <p:notesSz cx="6858000" cy="9144000"/>
@@ -188,7 +187,7 @@
           <a:noFill/>
           <a:extLst>
             <a:ext uri="{909E8E84-426E-40dd-AFC4-6F175D3DCCD1}">
-              <a14:hiddenFill xmlns="" xmlns:a14="http://schemas.microsoft.com/office/drawing/2010/main">
+              <a14:hiddenFill xmlns:a14="http://schemas.microsoft.com/office/drawing/2010/main" xmlns="">
                 <a:solidFill>
                   <a:srgbClr val="FFFFFF"/>
                 </a:solidFill>
@@ -247,7 +246,7 @@
             </a:ln>
             <a:extLst>
               <a:ext uri="{91240B29-F687-4f45-9708-019B960494DF}">
-                <a14:hiddenLine xmlns="" xmlns:a14="http://schemas.microsoft.com/office/drawing/2010/main" w="9525">
+                <a14:hiddenLine xmlns:a14="http://schemas.microsoft.com/office/drawing/2010/main" xmlns="" w="9525">
                   <a:solidFill>
                     <a:srgbClr val="000000"/>
                   </a:solidFill>
@@ -337,7 +336,7 @@
             </a:ln>
             <a:extLst>
               <a:ext uri="{91240B29-F687-4f45-9708-019B960494DF}">
-                <a14:hiddenLine xmlns="" xmlns:a14="http://schemas.microsoft.com/office/drawing/2010/main" w="9525">
+                <a14:hiddenLine xmlns:a14="http://schemas.microsoft.com/office/drawing/2010/main" xmlns="" w="9525">
                   <a:solidFill>
                     <a:srgbClr val="000000"/>
                   </a:solidFill>
@@ -427,7 +426,7 @@
             </a:ln>
             <a:extLst>
               <a:ext uri="{91240B29-F687-4f45-9708-019B960494DF}">
-                <a14:hiddenLine xmlns="" xmlns:a14="http://schemas.microsoft.com/office/drawing/2010/main" w="9525">
+                <a14:hiddenLine xmlns:a14="http://schemas.microsoft.com/office/drawing/2010/main" xmlns="" w="9525">
                   <a:solidFill>
                     <a:srgbClr val="000000"/>
                   </a:solidFill>
@@ -461,7 +460,7 @@
             </a:ln>
             <a:extLst>
               <a:ext uri="{91240B29-F687-4f45-9708-019B960494DF}">
-                <a14:hiddenLine xmlns="" xmlns:a14="http://schemas.microsoft.com/office/drawing/2010/main" w="9525">
+                <a14:hiddenLine xmlns:a14="http://schemas.microsoft.com/office/drawing/2010/main" xmlns="" w="9525">
                   <a:solidFill>
                     <a:srgbClr val="000000"/>
                   </a:solidFill>
@@ -551,7 +550,7 @@
             </a:ln>
             <a:extLst>
               <a:ext uri="{91240B29-F687-4f45-9708-019B960494DF}">
-                <a14:hiddenLine xmlns="" xmlns:a14="http://schemas.microsoft.com/office/drawing/2010/main" w="9525">
+                <a14:hiddenLine xmlns:a14="http://schemas.microsoft.com/office/drawing/2010/main" xmlns="" w="9525">
                   <a:solidFill>
                     <a:srgbClr val="000000"/>
                   </a:solidFill>
@@ -613,7 +612,7 @@
             </a:ln>
             <a:extLst>
               <a:ext uri="{91240B29-F687-4f45-9708-019B960494DF}">
-                <a14:hiddenLine xmlns="" xmlns:a14="http://schemas.microsoft.com/office/drawing/2010/main" w="9525">
+                <a14:hiddenLine xmlns:a14="http://schemas.microsoft.com/office/drawing/2010/main" xmlns="" w="9525">
                   <a:solidFill>
                     <a:srgbClr val="000000"/>
                   </a:solidFill>
@@ -675,7 +674,7 @@
             </a:ln>
             <a:extLst>
               <a:ext uri="{91240B29-F687-4f45-9708-019B960494DF}">
-                <a14:hiddenLine xmlns="" xmlns:a14="http://schemas.microsoft.com/office/drawing/2010/main" w="9525">
+                <a14:hiddenLine xmlns:a14="http://schemas.microsoft.com/office/drawing/2010/main" xmlns="" w="9525">
                   <a:solidFill>
                     <a:srgbClr val="000000"/>
                   </a:solidFill>
@@ -765,7 +764,7 @@
             </a:ln>
             <a:extLst>
               <a:ext uri="{91240B29-F687-4f45-9708-019B960494DF}">
-                <a14:hiddenLine xmlns="" xmlns:a14="http://schemas.microsoft.com/office/drawing/2010/main" w="9525">
+                <a14:hiddenLine xmlns:a14="http://schemas.microsoft.com/office/drawing/2010/main" xmlns="" w="9525">
                   <a:solidFill>
                     <a:srgbClr val="000000"/>
                   </a:solidFill>
@@ -827,7 +826,7 @@
             </a:ln>
             <a:extLst>
               <a:ext uri="{91240B29-F687-4f45-9708-019B960494DF}">
-                <a14:hiddenLine xmlns="" xmlns:a14="http://schemas.microsoft.com/office/drawing/2010/main" w="9525">
+                <a14:hiddenLine xmlns:a14="http://schemas.microsoft.com/office/drawing/2010/main" xmlns="" w="9525">
                   <a:solidFill>
                     <a:srgbClr val="000000"/>
                   </a:solidFill>
@@ -889,7 +888,7 @@
             </a:ln>
             <a:extLst>
               <a:ext uri="{91240B29-F687-4f45-9708-019B960494DF}">
-                <a14:hiddenLine xmlns="" xmlns:a14="http://schemas.microsoft.com/office/drawing/2010/main" w="9525">
+                <a14:hiddenLine xmlns:a14="http://schemas.microsoft.com/office/drawing/2010/main" xmlns="" w="9525">
                   <a:solidFill>
                     <a:srgbClr val="000000"/>
                   </a:solidFill>
@@ -979,7 +978,7 @@
             </a:ln>
             <a:extLst>
               <a:ext uri="{91240B29-F687-4f45-9708-019B960494DF}">
-                <a14:hiddenLine xmlns="" xmlns:a14="http://schemas.microsoft.com/office/drawing/2010/main" w="9525">
+                <a14:hiddenLine xmlns:a14="http://schemas.microsoft.com/office/drawing/2010/main" xmlns="" w="9525">
                   <a:solidFill>
                     <a:srgbClr val="000000"/>
                   </a:solidFill>
@@ -1069,7 +1068,7 @@
             </a:ln>
             <a:extLst>
               <a:ext uri="{91240B29-F687-4f45-9708-019B960494DF}">
-                <a14:hiddenLine xmlns="" xmlns:a14="http://schemas.microsoft.com/office/drawing/2010/main" w="9525">
+                <a14:hiddenLine xmlns:a14="http://schemas.microsoft.com/office/drawing/2010/main" xmlns="" w="9525">
                   <a:solidFill>
                     <a:srgbClr val="000000"/>
                   </a:solidFill>
@@ -1131,7 +1130,7 @@
             </a:ln>
             <a:extLst>
               <a:ext uri="{91240B29-F687-4f45-9708-019B960494DF}">
-                <a14:hiddenLine xmlns="" xmlns:a14="http://schemas.microsoft.com/office/drawing/2010/main" w="9525">
+                <a14:hiddenLine xmlns:a14="http://schemas.microsoft.com/office/drawing/2010/main" xmlns="" w="9525">
                   <a:solidFill>
                     <a:srgbClr val="000000"/>
                   </a:solidFill>
@@ -1241,7 +1240,7 @@
             </a:ln>
             <a:extLst>
               <a:ext uri="{91240B29-F687-4f45-9708-019B960494DF}">
-                <a14:hiddenLine xmlns="" xmlns:a14="http://schemas.microsoft.com/office/drawing/2010/main" w="9525">
+                <a14:hiddenLine xmlns:a14="http://schemas.microsoft.com/office/drawing/2010/main" xmlns="" w="9525">
                   <a:solidFill>
                     <a:srgbClr val="000000"/>
                   </a:solidFill>
@@ -1303,7 +1302,7 @@
             </a:ln>
             <a:extLst>
               <a:ext uri="{91240B29-F687-4f45-9708-019B960494DF}">
-                <a14:hiddenLine xmlns="" xmlns:a14="http://schemas.microsoft.com/office/drawing/2010/main" w="9525">
+                <a14:hiddenLine xmlns:a14="http://schemas.microsoft.com/office/drawing/2010/main" xmlns="" w="9525">
                   <a:solidFill>
                     <a:srgbClr val="000000"/>
                   </a:solidFill>
@@ -1393,7 +1392,7 @@
             </a:ln>
             <a:extLst>
               <a:ext uri="{91240B29-F687-4f45-9708-019B960494DF}">
-                <a14:hiddenLine xmlns="" xmlns:a14="http://schemas.microsoft.com/office/drawing/2010/main" w="9525">
+                <a14:hiddenLine xmlns:a14="http://schemas.microsoft.com/office/drawing/2010/main" xmlns="" w="9525">
                   <a:solidFill>
                     <a:srgbClr val="000000"/>
                   </a:solidFill>
@@ -1483,7 +1482,7 @@
             </a:ln>
             <a:extLst>
               <a:ext uri="{91240B29-F687-4f45-9708-019B960494DF}">
-                <a14:hiddenLine xmlns="" xmlns:a14="http://schemas.microsoft.com/office/drawing/2010/main" w="9525">
+                <a14:hiddenLine xmlns:a14="http://schemas.microsoft.com/office/drawing/2010/main" xmlns="" w="9525">
                   <a:solidFill>
                     <a:srgbClr val="000000"/>
                   </a:solidFill>
@@ -1545,7 +1544,7 @@
             </a:ln>
             <a:extLst>
               <a:ext uri="{91240B29-F687-4f45-9708-019B960494DF}">
-                <a14:hiddenLine xmlns="" xmlns:a14="http://schemas.microsoft.com/office/drawing/2010/main" w="9525">
+                <a14:hiddenLine xmlns:a14="http://schemas.microsoft.com/office/drawing/2010/main" xmlns="" w="9525">
                   <a:solidFill>
                     <a:srgbClr val="000000"/>
                   </a:solidFill>
@@ -1635,7 +1634,7 @@
             </a:ln>
             <a:extLst>
               <a:ext uri="{91240B29-F687-4f45-9708-019B960494DF}">
-                <a14:hiddenLine xmlns="" xmlns:a14="http://schemas.microsoft.com/office/drawing/2010/main" w="9525">
+                <a14:hiddenLine xmlns:a14="http://schemas.microsoft.com/office/drawing/2010/main" xmlns="" w="9525">
                   <a:solidFill>
                     <a:srgbClr val="000000"/>
                   </a:solidFill>
@@ -1725,7 +1724,7 @@
             </a:ln>
             <a:extLst>
               <a:ext uri="{91240B29-F687-4f45-9708-019B960494DF}">
-                <a14:hiddenLine xmlns="" xmlns:a14="http://schemas.microsoft.com/office/drawing/2010/main" w="9525">
+                <a14:hiddenLine xmlns:a14="http://schemas.microsoft.com/office/drawing/2010/main" xmlns="" w="9525">
                   <a:solidFill>
                     <a:srgbClr val="000000"/>
                   </a:solidFill>
@@ -1781,7 +1780,7 @@
             </a:ln>
             <a:extLst>
               <a:ext uri="{91240B29-F687-4f45-9708-019B960494DF}">
-                <a14:hiddenLine xmlns="" xmlns:a14="http://schemas.microsoft.com/office/drawing/2010/main" w="9525">
+                <a14:hiddenLine xmlns:a14="http://schemas.microsoft.com/office/drawing/2010/main" xmlns="" w="9525">
                   <a:solidFill>
                     <a:srgbClr val="000000"/>
                   </a:solidFill>
@@ -1871,7 +1870,7 @@
             </a:ln>
             <a:extLst>
               <a:ext uri="{91240B29-F687-4f45-9708-019B960494DF}">
-                <a14:hiddenLine xmlns="" xmlns:a14="http://schemas.microsoft.com/office/drawing/2010/main" w="9525">
+                <a14:hiddenLine xmlns:a14="http://schemas.microsoft.com/office/drawing/2010/main" xmlns="" w="9525">
                   <a:solidFill>
                     <a:srgbClr val="000000"/>
                   </a:solidFill>
@@ -1927,7 +1926,7 @@
             </a:ln>
             <a:extLst>
               <a:ext uri="{91240B29-F687-4f45-9708-019B960494DF}">
-                <a14:hiddenLine xmlns="" xmlns:a14="http://schemas.microsoft.com/office/drawing/2010/main" w="9525">
+                <a14:hiddenLine xmlns:a14="http://schemas.microsoft.com/office/drawing/2010/main" xmlns="" w="9525">
                   <a:solidFill>
                     <a:srgbClr val="000000"/>
                   </a:solidFill>
@@ -2017,7 +2016,7 @@
             </a:ln>
             <a:extLst>
               <a:ext uri="{91240B29-F687-4f45-9708-019B960494DF}">
-                <a14:hiddenLine xmlns="" xmlns:a14="http://schemas.microsoft.com/office/drawing/2010/main" w="9525">
+                <a14:hiddenLine xmlns:a14="http://schemas.microsoft.com/office/drawing/2010/main" xmlns="" w="9525">
                   <a:solidFill>
                     <a:srgbClr val="000000"/>
                   </a:solidFill>
@@ -2085,7 +2084,7 @@
             </a:ln>
             <a:extLst>
               <a:ext uri="{91240B29-F687-4f45-9708-019B960494DF}">
-                <a14:hiddenLine xmlns="" xmlns:a14="http://schemas.microsoft.com/office/drawing/2010/main" w="9525">
+                <a14:hiddenLine xmlns:a14="http://schemas.microsoft.com/office/drawing/2010/main" xmlns="" w="9525">
                   <a:solidFill>
                     <a:srgbClr val="000000"/>
                   </a:solidFill>
@@ -2175,7 +2174,7 @@
             </a:ln>
             <a:extLst>
               <a:ext uri="{91240B29-F687-4f45-9708-019B960494DF}">
-                <a14:hiddenLine xmlns="" xmlns:a14="http://schemas.microsoft.com/office/drawing/2010/main" w="9525">
+                <a14:hiddenLine xmlns:a14="http://schemas.microsoft.com/office/drawing/2010/main" xmlns="" w="9525">
                   <a:solidFill>
                     <a:srgbClr val="000000"/>
                   </a:solidFill>
@@ -2243,7 +2242,7 @@
             </a:ln>
             <a:extLst>
               <a:ext uri="{91240B29-F687-4f45-9708-019B960494DF}">
-                <a14:hiddenLine xmlns="" xmlns:a14="http://schemas.microsoft.com/office/drawing/2010/main" w="9525">
+                <a14:hiddenLine xmlns:a14="http://schemas.microsoft.com/office/drawing/2010/main" xmlns="" w="9525">
                   <a:solidFill>
                     <a:srgbClr val="000000"/>
                   </a:solidFill>
@@ -2333,7 +2332,7 @@
             </a:ln>
             <a:extLst>
               <a:ext uri="{91240B29-F687-4f45-9708-019B960494DF}">
-                <a14:hiddenLine xmlns="" xmlns:a14="http://schemas.microsoft.com/office/drawing/2010/main" w="9525">
+                <a14:hiddenLine xmlns:a14="http://schemas.microsoft.com/office/drawing/2010/main" xmlns="" w="9525">
                   <a:solidFill>
                     <a:srgbClr val="000000"/>
                   </a:solidFill>
@@ -2367,7 +2366,7 @@
             </a:ln>
             <a:extLst>
               <a:ext uri="{91240B29-F687-4f45-9708-019B960494DF}">
-                <a14:hiddenLine xmlns="" xmlns:a14="http://schemas.microsoft.com/office/drawing/2010/main" w="9525">
+                <a14:hiddenLine xmlns:a14="http://schemas.microsoft.com/office/drawing/2010/main" xmlns="" w="9525">
                   <a:solidFill>
                     <a:srgbClr val="000000"/>
                   </a:solidFill>
@@ -2457,7 +2456,7 @@
             </a:ln>
             <a:extLst>
               <a:ext uri="{91240B29-F687-4f45-9708-019B960494DF}">
-                <a14:hiddenLine xmlns="" xmlns:a14="http://schemas.microsoft.com/office/drawing/2010/main" w="9525">
+                <a14:hiddenLine xmlns:a14="http://schemas.microsoft.com/office/drawing/2010/main" xmlns="" w="9525">
                   <a:solidFill>
                     <a:srgbClr val="000000"/>
                   </a:solidFill>
@@ -2519,7 +2518,7 @@
             </a:ln>
             <a:extLst>
               <a:ext uri="{91240B29-F687-4f45-9708-019B960494DF}">
-                <a14:hiddenLine xmlns="" xmlns:a14="http://schemas.microsoft.com/office/drawing/2010/main" w="9525">
+                <a14:hiddenLine xmlns:a14="http://schemas.microsoft.com/office/drawing/2010/main" xmlns="" w="9525">
                   <a:solidFill>
                     <a:srgbClr val="000000"/>
                   </a:solidFill>
@@ -2581,7 +2580,7 @@
             </a:ln>
             <a:extLst>
               <a:ext uri="{91240B29-F687-4f45-9708-019B960494DF}">
-                <a14:hiddenLine xmlns="" xmlns:a14="http://schemas.microsoft.com/office/drawing/2010/main" w="9525">
+                <a14:hiddenLine xmlns:a14="http://schemas.microsoft.com/office/drawing/2010/main" xmlns="" w="9525">
                   <a:solidFill>
                     <a:srgbClr val="000000"/>
                   </a:solidFill>
@@ -2671,7 +2670,7 @@
             </a:ln>
             <a:extLst>
               <a:ext uri="{91240B29-F687-4f45-9708-019B960494DF}">
-                <a14:hiddenLine xmlns="" xmlns:a14="http://schemas.microsoft.com/office/drawing/2010/main" w="9525">
+                <a14:hiddenLine xmlns:a14="http://schemas.microsoft.com/office/drawing/2010/main" xmlns="" w="9525">
                   <a:solidFill>
                     <a:srgbClr val="000000"/>
                   </a:solidFill>
@@ -2739,7 +2738,7 @@
             </a:ln>
             <a:extLst>
               <a:ext uri="{91240B29-F687-4f45-9708-019B960494DF}">
-                <a14:hiddenLine xmlns="" xmlns:a14="http://schemas.microsoft.com/office/drawing/2010/main" w="9525">
+                <a14:hiddenLine xmlns:a14="http://schemas.microsoft.com/office/drawing/2010/main" xmlns="" w="9525">
                   <a:solidFill>
                     <a:srgbClr val="000000"/>
                   </a:solidFill>
@@ -2801,7 +2800,7 @@
             </a:ln>
             <a:extLst>
               <a:ext uri="{91240B29-F687-4f45-9708-019B960494DF}">
-                <a14:hiddenLine xmlns="" xmlns:a14="http://schemas.microsoft.com/office/drawing/2010/main" w="9525">
+                <a14:hiddenLine xmlns:a14="http://schemas.microsoft.com/office/drawing/2010/main" xmlns="" w="9525">
                   <a:solidFill>
                     <a:srgbClr val="000000"/>
                   </a:solidFill>
@@ -2891,7 +2890,7 @@
             </a:ln>
             <a:extLst>
               <a:ext uri="{91240B29-F687-4f45-9708-019B960494DF}">
-                <a14:hiddenLine xmlns="" xmlns:a14="http://schemas.microsoft.com/office/drawing/2010/main" w="9525">
+                <a14:hiddenLine xmlns:a14="http://schemas.microsoft.com/office/drawing/2010/main" xmlns="" w="9525">
                   <a:solidFill>
                     <a:srgbClr val="000000"/>
                   </a:solidFill>
@@ -2953,7 +2952,7 @@
             </a:ln>
             <a:extLst>
               <a:ext uri="{91240B29-F687-4f45-9708-019B960494DF}">
-                <a14:hiddenLine xmlns="" xmlns:a14="http://schemas.microsoft.com/office/drawing/2010/main" w="9525">
+                <a14:hiddenLine xmlns:a14="http://schemas.microsoft.com/office/drawing/2010/main" xmlns="" w="9525">
                   <a:solidFill>
                     <a:srgbClr val="000000"/>
                   </a:solidFill>
@@ -3043,7 +3042,7 @@
             </a:ln>
             <a:extLst>
               <a:ext uri="{91240B29-F687-4f45-9708-019B960494DF}">
-                <a14:hiddenLine xmlns="" xmlns:a14="http://schemas.microsoft.com/office/drawing/2010/main" w="9525">
+                <a14:hiddenLine xmlns:a14="http://schemas.microsoft.com/office/drawing/2010/main" xmlns="" w="9525">
                   <a:solidFill>
                     <a:srgbClr val="000000"/>
                   </a:solidFill>
@@ -3105,7 +3104,7 @@
             </a:ln>
             <a:extLst>
               <a:ext uri="{91240B29-F687-4f45-9708-019B960494DF}">
-                <a14:hiddenLine xmlns="" xmlns:a14="http://schemas.microsoft.com/office/drawing/2010/main" w="9525">
+                <a14:hiddenLine xmlns:a14="http://schemas.microsoft.com/office/drawing/2010/main" xmlns="" w="9525">
                   <a:solidFill>
                     <a:srgbClr val="000000"/>
                   </a:solidFill>
@@ -3195,7 +3194,7 @@
             </a:ln>
             <a:extLst>
               <a:ext uri="{91240B29-F687-4f45-9708-019B960494DF}">
-                <a14:hiddenLine xmlns="" xmlns:a14="http://schemas.microsoft.com/office/drawing/2010/main" w="9525">
+                <a14:hiddenLine xmlns:a14="http://schemas.microsoft.com/office/drawing/2010/main" xmlns="" w="9525">
                   <a:solidFill>
                     <a:srgbClr val="000000"/>
                   </a:solidFill>
@@ -3229,7 +3228,7 @@
             </a:ln>
             <a:extLst>
               <a:ext uri="{91240B29-F687-4f45-9708-019B960494DF}">
-                <a14:hiddenLine xmlns="" xmlns:a14="http://schemas.microsoft.com/office/drawing/2010/main" w="9525">
+                <a14:hiddenLine xmlns:a14="http://schemas.microsoft.com/office/drawing/2010/main" xmlns="" w="9525">
                   <a:solidFill>
                     <a:srgbClr val="000000"/>
                   </a:solidFill>
@@ -3294,7 +3293,7 @@
             </a:ln>
             <a:extLst>
               <a:ext uri="{91240B29-F687-4f45-9708-019B960494DF}">
-                <a14:hiddenLine xmlns="" xmlns:a14="http://schemas.microsoft.com/office/drawing/2010/main" w="9525">
+                <a14:hiddenLine xmlns:a14="http://schemas.microsoft.com/office/drawing/2010/main" xmlns="" w="9525">
                   <a:solidFill>
                     <a:srgbClr val="000000"/>
                   </a:solidFill>
@@ -3384,7 +3383,7 @@
             </a:ln>
             <a:extLst>
               <a:ext uri="{91240B29-F687-4f45-9708-019B960494DF}">
-                <a14:hiddenLine xmlns="" xmlns:a14="http://schemas.microsoft.com/office/drawing/2010/main" w="9525">
+                <a14:hiddenLine xmlns:a14="http://schemas.microsoft.com/office/drawing/2010/main" xmlns="" w="9525">
                   <a:solidFill>
                     <a:srgbClr val="000000"/>
                   </a:solidFill>
@@ -3446,7 +3445,7 @@
             </a:ln>
             <a:extLst>
               <a:ext uri="{91240B29-F687-4f45-9708-019B960494DF}">
-                <a14:hiddenLine xmlns="" xmlns:a14="http://schemas.microsoft.com/office/drawing/2010/main" w="9525">
+                <a14:hiddenLine xmlns:a14="http://schemas.microsoft.com/office/drawing/2010/main" xmlns="" w="9525">
                   <a:solidFill>
                     <a:srgbClr val="000000"/>
                   </a:solidFill>
@@ -3536,7 +3535,7 @@
             </a:ln>
             <a:extLst>
               <a:ext uri="{91240B29-F687-4f45-9708-019B960494DF}">
-                <a14:hiddenLine xmlns="" xmlns:a14="http://schemas.microsoft.com/office/drawing/2010/main" w="9525">
+                <a14:hiddenLine xmlns:a14="http://schemas.microsoft.com/office/drawing/2010/main" xmlns="" w="9525">
                   <a:solidFill>
                     <a:srgbClr val="000000"/>
                   </a:solidFill>
@@ -3626,7 +3625,7 @@
             </a:ln>
             <a:extLst>
               <a:ext uri="{91240B29-F687-4f45-9708-019B960494DF}">
-                <a14:hiddenLine xmlns="" xmlns:a14="http://schemas.microsoft.com/office/drawing/2010/main" w="9525">
+                <a14:hiddenLine xmlns:a14="http://schemas.microsoft.com/office/drawing/2010/main" xmlns="" w="9525">
                   <a:solidFill>
                     <a:srgbClr val="000000"/>
                   </a:solidFill>
@@ -3691,7 +3690,7 @@
             </a:ln>
             <a:extLst>
               <a:ext uri="{91240B29-F687-4f45-9708-019B960494DF}">
-                <a14:hiddenLine xmlns="" xmlns:a14="http://schemas.microsoft.com/office/drawing/2010/main" w="9525">
+                <a14:hiddenLine xmlns:a14="http://schemas.microsoft.com/office/drawing/2010/main" xmlns="" w="9525">
                   <a:solidFill>
                     <a:srgbClr val="000000"/>
                   </a:solidFill>
@@ -3753,7 +3752,7 @@
             </a:ln>
             <a:extLst>
               <a:ext uri="{91240B29-F687-4f45-9708-019B960494DF}">
-                <a14:hiddenLine xmlns="" xmlns:a14="http://schemas.microsoft.com/office/drawing/2010/main" w="9525">
+                <a14:hiddenLine xmlns:a14="http://schemas.microsoft.com/office/drawing/2010/main" xmlns="" w="9525">
                   <a:solidFill>
                     <a:srgbClr val="000000"/>
                   </a:solidFill>
@@ -3843,7 +3842,7 @@
             </a:ln>
             <a:extLst>
               <a:ext uri="{91240B29-F687-4f45-9708-019B960494DF}">
-                <a14:hiddenLine xmlns="" xmlns:a14="http://schemas.microsoft.com/office/drawing/2010/main" w="9525">
+                <a14:hiddenLine xmlns:a14="http://schemas.microsoft.com/office/drawing/2010/main" xmlns="" w="9525">
                   <a:solidFill>
                     <a:srgbClr val="000000"/>
                   </a:solidFill>
@@ -3933,7 +3932,7 @@
             </a:ln>
             <a:extLst>
               <a:ext uri="{91240B29-F687-4f45-9708-019B960494DF}">
-                <a14:hiddenLine xmlns="" xmlns:a14="http://schemas.microsoft.com/office/drawing/2010/main" w="9525">
+                <a14:hiddenLine xmlns:a14="http://schemas.microsoft.com/office/drawing/2010/main" xmlns="" w="9525">
                   <a:solidFill>
                     <a:srgbClr val="000000"/>
                   </a:solidFill>
@@ -3995,7 +3994,7 @@
             </a:ln>
             <a:extLst>
               <a:ext uri="{91240B29-F687-4f45-9708-019B960494DF}">
-                <a14:hiddenLine xmlns="" xmlns:a14="http://schemas.microsoft.com/office/drawing/2010/main" w="9525">
+                <a14:hiddenLine xmlns:a14="http://schemas.microsoft.com/office/drawing/2010/main" xmlns="" w="9525">
                   <a:solidFill>
                     <a:srgbClr val="000000"/>
                   </a:solidFill>
@@ -4115,7 +4114,7 @@
             </a:ln>
             <a:extLst>
               <a:ext uri="{91240B29-F687-4f45-9708-019B960494DF}">
-                <a14:hiddenLine xmlns="" xmlns:a14="http://schemas.microsoft.com/office/drawing/2010/main" w="9525">
+                <a14:hiddenLine xmlns:a14="http://schemas.microsoft.com/office/drawing/2010/main" xmlns="" w="9525">
                   <a:solidFill>
                     <a:srgbClr val="000000"/>
                   </a:solidFill>
@@ -4183,7 +4182,7 @@
             </a:ln>
             <a:extLst>
               <a:ext uri="{91240B29-F687-4f45-9708-019B960494DF}">
-                <a14:hiddenLine xmlns="" xmlns:a14="http://schemas.microsoft.com/office/drawing/2010/main" w="9525">
+                <a14:hiddenLine xmlns:a14="http://schemas.microsoft.com/office/drawing/2010/main" xmlns="" w="9525">
                   <a:solidFill>
                     <a:srgbClr val="000000"/>
                   </a:solidFill>
@@ -4273,7 +4272,7 @@
             </a:ln>
             <a:extLst>
               <a:ext uri="{91240B29-F687-4f45-9708-019B960494DF}">
-                <a14:hiddenLine xmlns="" xmlns:a14="http://schemas.microsoft.com/office/drawing/2010/main" w="9525">
+                <a14:hiddenLine xmlns:a14="http://schemas.microsoft.com/office/drawing/2010/main" xmlns="" w="9525">
                   <a:solidFill>
                     <a:srgbClr val="000000"/>
                   </a:solidFill>
@@ -4414,7 +4413,7 @@
             <a:fld id="{B61BEF0D-F0BB-DE4B-95CE-6DB70DBA9567}" type="datetimeFigureOut">
               <a:rPr lang="en-US" smtClean="0"/>
               <a:pPr/>
-              <a:t>8/7/2024</a:t>
+              <a:t>8/8/2024</a:t>
             </a:fld>
             <a:endParaRPr lang="en-US" dirty="0"/>
           </a:p>
@@ -4683,7 +4682,7 @@
             <a:fld id="{B61BEF0D-F0BB-DE4B-95CE-6DB70DBA9567}" type="datetimeFigureOut">
               <a:rPr lang="en-US" smtClean="0"/>
               <a:pPr/>
-              <a:t>8/7/2024</a:t>
+              <a:t>8/8/2024</a:t>
             </a:fld>
             <a:endParaRPr lang="en-US" dirty="0"/>
           </a:p>
@@ -4881,7 +4880,7 @@
             <a:fld id="{B61BEF0D-F0BB-DE4B-95CE-6DB70DBA9567}" type="datetimeFigureOut">
               <a:rPr lang="en-US" smtClean="0"/>
               <a:pPr/>
-              <a:t>8/7/2024</a:t>
+              <a:t>8/8/2024</a:t>
             </a:fld>
             <a:endParaRPr lang="en-US" dirty="0"/>
           </a:p>
@@ -5146,7 +5145,7 @@
             <a:fld id="{B61BEF0D-F0BB-DE4B-95CE-6DB70DBA9567}" type="datetimeFigureOut">
               <a:rPr lang="en-US" smtClean="0"/>
               <a:pPr/>
-              <a:t>8/7/2024</a:t>
+              <a:t>8/8/2024</a:t>
             </a:fld>
             <a:endParaRPr lang="en-US" dirty="0"/>
           </a:p>
@@ -5582,7 +5581,7 @@
             <a:fld id="{B61BEF0D-F0BB-DE4B-95CE-6DB70DBA9567}" type="datetimeFigureOut">
               <a:rPr lang="en-US" smtClean="0"/>
               <a:pPr/>
-              <a:t>8/7/2024</a:t>
+              <a:t>8/8/2024</a:t>
             </a:fld>
             <a:endParaRPr lang="en-US" dirty="0"/>
           </a:p>
@@ -6130,7 +6129,7 @@
             <a:fld id="{B61BEF0D-F0BB-DE4B-95CE-6DB70DBA9567}" type="datetimeFigureOut">
               <a:rPr lang="en-US" smtClean="0"/>
               <a:pPr/>
-              <a:t>8/7/2024</a:t>
+              <a:t>8/8/2024</a:t>
             </a:fld>
             <a:endParaRPr lang="en-US" dirty="0"/>
           </a:p>
@@ -6852,7 +6851,7 @@
             <a:fld id="{B61BEF0D-F0BB-DE4B-95CE-6DB70DBA9567}" type="datetimeFigureOut">
               <a:rPr lang="en-US" smtClean="0"/>
               <a:pPr/>
-              <a:t>8/7/2024</a:t>
+              <a:t>8/8/2024</a:t>
             </a:fld>
             <a:endParaRPr lang="en-US" dirty="0"/>
           </a:p>
@@ -7024,7 +7023,7 @@
             <a:fld id="{B61BEF0D-F0BB-DE4B-95CE-6DB70DBA9567}" type="datetimeFigureOut">
               <a:rPr lang="en-US" smtClean="0"/>
               <a:pPr/>
-              <a:t>8/7/2024</a:t>
+              <a:t>8/8/2024</a:t>
             </a:fld>
             <a:endParaRPr lang="en-US" dirty="0"/>
           </a:p>
@@ -7206,7 +7205,7 @@
             <a:fld id="{B61BEF0D-F0BB-DE4B-95CE-6DB70DBA9567}" type="datetimeFigureOut">
               <a:rPr lang="en-US" smtClean="0"/>
               <a:pPr/>
-              <a:t>8/7/2024</a:t>
+              <a:t>8/8/2024</a:t>
             </a:fld>
             <a:endParaRPr lang="en-US" dirty="0"/>
           </a:p>
@@ -7378,7 +7377,7 @@
             <a:fld id="{B61BEF0D-F0BB-DE4B-95CE-6DB70DBA9567}" type="datetimeFigureOut">
               <a:rPr lang="en-US" smtClean="0"/>
               <a:pPr/>
-              <a:t>8/7/2024</a:t>
+              <a:t>8/8/2024</a:t>
             </a:fld>
             <a:endParaRPr lang="en-US" dirty="0"/>
           </a:p>
@@ -7630,7 +7629,7 @@
             <a:fld id="{B61BEF0D-F0BB-DE4B-95CE-6DB70DBA9567}" type="datetimeFigureOut">
               <a:rPr lang="en-US" smtClean="0"/>
               <a:pPr/>
-              <a:t>8/7/2024</a:t>
+              <a:t>8/8/2024</a:t>
             </a:fld>
             <a:endParaRPr lang="en-US" dirty="0"/>
           </a:p>
@@ -7864,7 +7863,7 @@
             <a:fld id="{B61BEF0D-F0BB-DE4B-95CE-6DB70DBA9567}" type="datetimeFigureOut">
               <a:rPr lang="en-US" smtClean="0"/>
               <a:pPr/>
-              <a:t>8/7/2024</a:t>
+              <a:t>8/8/2024</a:t>
             </a:fld>
             <a:endParaRPr lang="en-US" dirty="0"/>
           </a:p>
@@ -8247,7 +8246,7 @@
             <a:fld id="{B61BEF0D-F0BB-DE4B-95CE-6DB70DBA9567}" type="datetimeFigureOut">
               <a:rPr lang="en-US" smtClean="0"/>
               <a:pPr/>
-              <a:t>8/7/2024</a:t>
+              <a:t>8/8/2024</a:t>
             </a:fld>
             <a:endParaRPr lang="en-US" dirty="0"/>
           </a:p>
@@ -8367,7 +8366,7 @@
             <a:fld id="{B61BEF0D-F0BB-DE4B-95CE-6DB70DBA9567}" type="datetimeFigureOut">
               <a:rPr lang="en-US" smtClean="0"/>
               <a:pPr/>
-              <a:t>8/7/2024</a:t>
+              <a:t>8/8/2024</a:t>
             </a:fld>
             <a:endParaRPr lang="en-US" dirty="0"/>
           </a:p>
@@ -8464,7 +8463,7 @@
             <a:fld id="{B61BEF0D-F0BB-DE4B-95CE-6DB70DBA9567}" type="datetimeFigureOut">
               <a:rPr lang="en-US" smtClean="0"/>
               <a:pPr/>
-              <a:t>8/7/2024</a:t>
+              <a:t>8/8/2024</a:t>
             </a:fld>
             <a:endParaRPr lang="en-US" dirty="0"/>
           </a:p>
@@ -8715,7 +8714,7 @@
             <a:fld id="{B61BEF0D-F0BB-DE4B-95CE-6DB70DBA9567}" type="datetimeFigureOut">
               <a:rPr lang="en-US" smtClean="0"/>
               <a:pPr/>
-              <a:t>8/7/2024</a:t>
+              <a:t>8/8/2024</a:t>
             </a:fld>
             <a:endParaRPr lang="en-US" dirty="0"/>
           </a:p>
@@ -8997,7 +8996,7 @@
             <a:fld id="{B61BEF0D-F0BB-DE4B-95CE-6DB70DBA9567}" type="datetimeFigureOut">
               <a:rPr lang="en-US" smtClean="0"/>
               <a:pPr/>
-              <a:t>8/7/2024</a:t>
+              <a:t>8/8/2024</a:t>
             </a:fld>
             <a:endParaRPr lang="en-US" dirty="0"/>
           </a:p>
@@ -9121,7 +9120,7 @@
           <a:noFill/>
           <a:extLst>
             <a:ext uri="{909E8E84-426E-40dd-AFC4-6F175D3DCCD1}">
-              <a14:hiddenFill xmlns="" xmlns:a14="http://schemas.microsoft.com/office/drawing/2010/main">
+              <a14:hiddenFill xmlns:a14="http://schemas.microsoft.com/office/drawing/2010/main" xmlns="">
                 <a:solidFill>
                   <a:srgbClr val="FFFFFF"/>
                 </a:solidFill>
@@ -9195,7 +9194,7 @@
               </a:ln>
               <a:extLst>
                 <a:ext uri="{91240B29-F687-4f45-9708-019B960494DF}">
-                  <a14:hiddenLine xmlns="" xmlns:a14="http://schemas.microsoft.com/office/drawing/2010/main" w="9525">
+                  <a14:hiddenLine xmlns:a14="http://schemas.microsoft.com/office/drawing/2010/main" xmlns="" w="9525">
                     <a:solidFill>
                       <a:srgbClr val="000000"/>
                     </a:solidFill>
@@ -9285,7 +9284,7 @@
               </a:ln>
               <a:extLst>
                 <a:ext uri="{91240B29-F687-4f45-9708-019B960494DF}">
-                  <a14:hiddenLine xmlns="" xmlns:a14="http://schemas.microsoft.com/office/drawing/2010/main" w="9525">
+                  <a14:hiddenLine xmlns:a14="http://schemas.microsoft.com/office/drawing/2010/main" xmlns="" w="9525">
                     <a:solidFill>
                       <a:srgbClr val="000000"/>
                     </a:solidFill>
@@ -9375,7 +9374,7 @@
               </a:ln>
               <a:extLst>
                 <a:ext uri="{91240B29-F687-4f45-9708-019B960494DF}">
-                  <a14:hiddenLine xmlns="" xmlns:a14="http://schemas.microsoft.com/office/drawing/2010/main" w="9525">
+                  <a14:hiddenLine xmlns:a14="http://schemas.microsoft.com/office/drawing/2010/main" xmlns="" w="9525">
                     <a:solidFill>
                       <a:srgbClr val="000000"/>
                     </a:solidFill>
@@ -9437,7 +9436,7 @@
               </a:ln>
               <a:extLst>
                 <a:ext uri="{91240B29-F687-4f45-9708-019B960494DF}">
-                  <a14:hiddenLine xmlns="" xmlns:a14="http://schemas.microsoft.com/office/drawing/2010/main" w="9525">
+                  <a14:hiddenLine xmlns:a14="http://schemas.microsoft.com/office/drawing/2010/main" xmlns="" w="9525">
                     <a:solidFill>
                       <a:srgbClr val="000000"/>
                     </a:solidFill>
@@ -9527,7 +9526,7 @@
               </a:ln>
               <a:extLst>
                 <a:ext uri="{91240B29-F687-4f45-9708-019B960494DF}">
-                  <a14:hiddenLine xmlns="" xmlns:a14="http://schemas.microsoft.com/office/drawing/2010/main" w="9525">
+                  <a14:hiddenLine xmlns:a14="http://schemas.microsoft.com/office/drawing/2010/main" xmlns="" w="9525">
                     <a:solidFill>
                       <a:srgbClr val="000000"/>
                     </a:solidFill>
@@ -9589,7 +9588,7 @@
               </a:ln>
               <a:extLst>
                 <a:ext uri="{91240B29-F687-4f45-9708-019B960494DF}">
-                  <a14:hiddenLine xmlns="" xmlns:a14="http://schemas.microsoft.com/office/drawing/2010/main" w="9525">
+                  <a14:hiddenLine xmlns:a14="http://schemas.microsoft.com/office/drawing/2010/main" xmlns="" w="9525">
                     <a:solidFill>
                       <a:srgbClr val="000000"/>
                     </a:solidFill>
@@ -9651,7 +9650,7 @@
               </a:ln>
               <a:extLst>
                 <a:ext uri="{91240B29-F687-4f45-9708-019B960494DF}">
-                  <a14:hiddenLine xmlns="" xmlns:a14="http://schemas.microsoft.com/office/drawing/2010/main" w="9525">
+                  <a14:hiddenLine xmlns:a14="http://schemas.microsoft.com/office/drawing/2010/main" xmlns="" w="9525">
                     <a:solidFill>
                       <a:srgbClr val="000000"/>
                     </a:solidFill>
@@ -9741,7 +9740,7 @@
               </a:ln>
               <a:extLst>
                 <a:ext uri="{91240B29-F687-4f45-9708-019B960494DF}">
-                  <a14:hiddenLine xmlns="" xmlns:a14="http://schemas.microsoft.com/office/drawing/2010/main" w="9525">
+                  <a14:hiddenLine xmlns:a14="http://schemas.microsoft.com/office/drawing/2010/main" xmlns="" w="9525">
                     <a:solidFill>
                       <a:srgbClr val="000000"/>
                     </a:solidFill>
@@ -9831,7 +9830,7 @@
               </a:ln>
               <a:extLst>
                 <a:ext uri="{91240B29-F687-4f45-9708-019B960494DF}">
-                  <a14:hiddenLine xmlns="" xmlns:a14="http://schemas.microsoft.com/office/drawing/2010/main" w="9525">
+                  <a14:hiddenLine xmlns:a14="http://schemas.microsoft.com/office/drawing/2010/main" xmlns="" w="9525">
                     <a:solidFill>
                       <a:srgbClr val="000000"/>
                     </a:solidFill>
@@ -9893,7 +9892,7 @@
               </a:ln>
               <a:extLst>
                 <a:ext uri="{91240B29-F687-4f45-9708-019B960494DF}">
-                  <a14:hiddenLine xmlns="" xmlns:a14="http://schemas.microsoft.com/office/drawing/2010/main" w="9525">
+                  <a14:hiddenLine xmlns:a14="http://schemas.microsoft.com/office/drawing/2010/main" xmlns="" w="9525">
                     <a:solidFill>
                       <a:srgbClr val="000000"/>
                     </a:solidFill>
@@ -10003,7 +10002,7 @@
               </a:ln>
               <a:extLst>
                 <a:ext uri="{91240B29-F687-4f45-9708-019B960494DF}">
-                  <a14:hiddenLine xmlns="" xmlns:a14="http://schemas.microsoft.com/office/drawing/2010/main" w="9525">
+                  <a14:hiddenLine xmlns:a14="http://schemas.microsoft.com/office/drawing/2010/main" xmlns="" w="9525">
                     <a:solidFill>
                       <a:srgbClr val="000000"/>
                     </a:solidFill>
@@ -10087,7 +10086,7 @@
               </a:ln>
               <a:extLst>
                 <a:ext uri="{91240B29-F687-4f45-9708-019B960494DF}">
-                  <a14:hiddenLine xmlns="" xmlns:a14="http://schemas.microsoft.com/office/drawing/2010/main" w="9525">
+                  <a14:hiddenLine xmlns:a14="http://schemas.microsoft.com/office/drawing/2010/main" xmlns="" w="9525">
                     <a:solidFill>
                       <a:srgbClr val="000000"/>
                     </a:solidFill>
@@ -10149,7 +10148,7 @@
               </a:ln>
               <a:extLst>
                 <a:ext uri="{91240B29-F687-4f45-9708-019B960494DF}">
-                  <a14:hiddenLine xmlns="" xmlns:a14="http://schemas.microsoft.com/office/drawing/2010/main" w="9525">
+                  <a14:hiddenLine xmlns:a14="http://schemas.microsoft.com/office/drawing/2010/main" xmlns="" w="9525">
                     <a:solidFill>
                       <a:srgbClr val="000000"/>
                     </a:solidFill>
@@ -10211,7 +10210,7 @@
               </a:ln>
               <a:extLst>
                 <a:ext uri="{91240B29-F687-4f45-9708-019B960494DF}">
-                  <a14:hiddenLine xmlns="" xmlns:a14="http://schemas.microsoft.com/office/drawing/2010/main" w="9525">
+                  <a14:hiddenLine xmlns:a14="http://schemas.microsoft.com/office/drawing/2010/main" xmlns="" w="9525">
                     <a:solidFill>
                       <a:srgbClr val="000000"/>
                     </a:solidFill>
@@ -10301,7 +10300,7 @@
               </a:ln>
               <a:extLst>
                 <a:ext uri="{91240B29-F687-4f45-9708-019B960494DF}">
-                  <a14:hiddenLine xmlns="" xmlns:a14="http://schemas.microsoft.com/office/drawing/2010/main" w="9525">
+                  <a14:hiddenLine xmlns:a14="http://schemas.microsoft.com/office/drawing/2010/main" xmlns="" w="9525">
                     <a:solidFill>
                       <a:srgbClr val="000000"/>
                     </a:solidFill>
@@ -10335,7 +10334,7 @@
               </a:ln>
               <a:extLst>
                 <a:ext uri="{91240B29-F687-4f45-9708-019B960494DF}">
-                  <a14:hiddenLine xmlns="" xmlns:a14="http://schemas.microsoft.com/office/drawing/2010/main" w="9525">
+                  <a14:hiddenLine xmlns:a14="http://schemas.microsoft.com/office/drawing/2010/main" xmlns="" w="9525">
                     <a:solidFill>
                       <a:srgbClr val="000000"/>
                     </a:solidFill>
@@ -10400,7 +10399,7 @@
               </a:ln>
               <a:extLst>
                 <a:ext uri="{91240B29-F687-4f45-9708-019B960494DF}">
-                  <a14:hiddenLine xmlns="" xmlns:a14="http://schemas.microsoft.com/office/drawing/2010/main" w="9525">
+                  <a14:hiddenLine xmlns:a14="http://schemas.microsoft.com/office/drawing/2010/main" xmlns="" w="9525">
                     <a:solidFill>
                       <a:srgbClr val="000000"/>
                     </a:solidFill>
@@ -10490,7 +10489,7 @@
               </a:ln>
               <a:extLst>
                 <a:ext uri="{91240B29-F687-4f45-9708-019B960494DF}">
-                  <a14:hiddenLine xmlns="" xmlns:a14="http://schemas.microsoft.com/office/drawing/2010/main" w="9525">
+                  <a14:hiddenLine xmlns:a14="http://schemas.microsoft.com/office/drawing/2010/main" xmlns="" w="9525">
                     <a:solidFill>
                       <a:srgbClr val="000000"/>
                     </a:solidFill>
@@ -10552,7 +10551,7 @@
               </a:ln>
               <a:extLst>
                 <a:ext uri="{91240B29-F687-4f45-9708-019B960494DF}">
-                  <a14:hiddenLine xmlns="" xmlns:a14="http://schemas.microsoft.com/office/drawing/2010/main" w="9525">
+                  <a14:hiddenLine xmlns:a14="http://schemas.microsoft.com/office/drawing/2010/main" xmlns="" w="9525">
                     <a:solidFill>
                       <a:srgbClr val="000000"/>
                     </a:solidFill>
@@ -10642,7 +10641,7 @@
               </a:ln>
               <a:extLst>
                 <a:ext uri="{91240B29-F687-4f45-9708-019B960494DF}">
-                  <a14:hiddenLine xmlns="" xmlns:a14="http://schemas.microsoft.com/office/drawing/2010/main" w="9525">
+                  <a14:hiddenLine xmlns:a14="http://schemas.microsoft.com/office/drawing/2010/main" xmlns="" w="9525">
                     <a:solidFill>
                       <a:srgbClr val="000000"/>
                     </a:solidFill>
@@ -10707,7 +10706,7 @@
               </a:ln>
               <a:extLst>
                 <a:ext uri="{91240B29-F687-4f45-9708-019B960494DF}">
-                  <a14:hiddenLine xmlns="" xmlns:a14="http://schemas.microsoft.com/office/drawing/2010/main" w="9525">
+                  <a14:hiddenLine xmlns:a14="http://schemas.microsoft.com/office/drawing/2010/main" xmlns="" w="9525">
                     <a:solidFill>
                       <a:srgbClr val="000000"/>
                     </a:solidFill>
@@ -10769,7 +10768,7 @@
               </a:ln>
               <a:extLst>
                 <a:ext uri="{91240B29-F687-4f45-9708-019B960494DF}">
-                  <a14:hiddenLine xmlns="" xmlns:a14="http://schemas.microsoft.com/office/drawing/2010/main" w="9525">
+                  <a14:hiddenLine xmlns:a14="http://schemas.microsoft.com/office/drawing/2010/main" xmlns="" w="9525">
                     <a:solidFill>
                       <a:srgbClr val="000000"/>
                     </a:solidFill>
@@ -10859,7 +10858,7 @@
               </a:ln>
               <a:extLst>
                 <a:ext uri="{91240B29-F687-4f45-9708-019B960494DF}">
-                  <a14:hiddenLine xmlns="" xmlns:a14="http://schemas.microsoft.com/office/drawing/2010/main" w="9525">
+                  <a14:hiddenLine xmlns:a14="http://schemas.microsoft.com/office/drawing/2010/main" xmlns="" w="9525">
                     <a:solidFill>
                       <a:srgbClr val="000000"/>
                     </a:solidFill>
@@ -10949,7 +10948,7 @@
               </a:ln>
               <a:extLst>
                 <a:ext uri="{91240B29-F687-4f45-9708-019B960494DF}">
-                  <a14:hiddenLine xmlns="" xmlns:a14="http://schemas.microsoft.com/office/drawing/2010/main" w="9525">
+                  <a14:hiddenLine xmlns:a14="http://schemas.microsoft.com/office/drawing/2010/main" xmlns="" w="9525">
                     <a:solidFill>
                       <a:srgbClr val="000000"/>
                     </a:solidFill>
@@ -11014,7 +11013,7 @@
               </a:ln>
               <a:extLst>
                 <a:ext uri="{91240B29-F687-4f45-9708-019B960494DF}">
-                  <a14:hiddenLine xmlns="" xmlns:a14="http://schemas.microsoft.com/office/drawing/2010/main" w="9525">
+                  <a14:hiddenLine xmlns:a14="http://schemas.microsoft.com/office/drawing/2010/main" xmlns="" w="9525">
                     <a:solidFill>
                       <a:srgbClr val="000000"/>
                     </a:solidFill>
@@ -11134,7 +11133,7 @@
               </a:ln>
               <a:extLst>
                 <a:ext uri="{91240B29-F687-4f45-9708-019B960494DF}">
-                  <a14:hiddenLine xmlns="" xmlns:a14="http://schemas.microsoft.com/office/drawing/2010/main" w="9525">
+                  <a14:hiddenLine xmlns:a14="http://schemas.microsoft.com/office/drawing/2010/main" xmlns="" w="9525">
                     <a:solidFill>
                       <a:srgbClr val="000000"/>
                     </a:solidFill>
@@ -11215,7 +11214,7 @@
               </a:ln>
               <a:extLst>
                 <a:ext uri="{91240B29-F687-4f45-9708-019B960494DF}">
-                  <a14:hiddenLine xmlns="" xmlns:a14="http://schemas.microsoft.com/office/drawing/2010/main" w="9525">
+                  <a14:hiddenLine xmlns:a14="http://schemas.microsoft.com/office/drawing/2010/main" xmlns="" w="9525">
                     <a:solidFill>
                       <a:srgbClr val="000000"/>
                     </a:solidFill>
@@ -11330,7 +11329,7 @@
               </a:ln>
               <a:extLst>
                 <a:ext uri="{91240B29-F687-4f45-9708-019B960494DF}">
-                  <a14:hiddenLine xmlns="" xmlns:a14="http://schemas.microsoft.com/office/drawing/2010/main" w="9525">
+                  <a14:hiddenLine xmlns:a14="http://schemas.microsoft.com/office/drawing/2010/main" xmlns="" w="9525">
                     <a:solidFill>
                       <a:srgbClr val="000000"/>
                     </a:solidFill>
@@ -11420,7 +11419,7 @@
               </a:ln>
               <a:extLst>
                 <a:ext uri="{91240B29-F687-4f45-9708-019B960494DF}">
-                  <a14:hiddenLine xmlns="" xmlns:a14="http://schemas.microsoft.com/office/drawing/2010/main" w="9525">
+                  <a14:hiddenLine xmlns:a14="http://schemas.microsoft.com/office/drawing/2010/main" xmlns="" w="9525">
                     <a:solidFill>
                       <a:srgbClr val="000000"/>
                     </a:solidFill>
@@ -11485,7 +11484,7 @@
               </a:ln>
               <a:extLst>
                 <a:ext uri="{91240B29-F687-4f45-9708-019B960494DF}">
-                  <a14:hiddenLine xmlns="" xmlns:a14="http://schemas.microsoft.com/office/drawing/2010/main" w="9525">
+                  <a14:hiddenLine xmlns:a14="http://schemas.microsoft.com/office/drawing/2010/main" xmlns="" w="9525">
                     <a:solidFill>
                       <a:srgbClr val="000000"/>
                     </a:solidFill>
@@ -11575,7 +11574,7 @@
               </a:ln>
               <a:extLst>
                 <a:ext uri="{91240B29-F687-4f45-9708-019B960494DF}">
-                  <a14:hiddenLine xmlns="" xmlns:a14="http://schemas.microsoft.com/office/drawing/2010/main" w="9525">
+                  <a14:hiddenLine xmlns:a14="http://schemas.microsoft.com/office/drawing/2010/main" xmlns="" w="9525">
                     <a:solidFill>
                       <a:srgbClr val="000000"/>
                     </a:solidFill>
@@ -11643,7 +11642,7 @@
               </a:ln>
               <a:extLst>
                 <a:ext uri="{91240B29-F687-4f45-9708-019B960494DF}">
-                  <a14:hiddenLine xmlns="" xmlns:a14="http://schemas.microsoft.com/office/drawing/2010/main" w="9525">
+                  <a14:hiddenLine xmlns:a14="http://schemas.microsoft.com/office/drawing/2010/main" xmlns="" w="9525">
                     <a:solidFill>
                       <a:srgbClr val="000000"/>
                     </a:solidFill>
@@ -11733,7 +11732,7 @@
               </a:ln>
               <a:extLst>
                 <a:ext uri="{91240B29-F687-4f45-9708-019B960494DF}">
-                  <a14:hiddenLine xmlns="" xmlns:a14="http://schemas.microsoft.com/office/drawing/2010/main" w="9525">
+                  <a14:hiddenLine xmlns:a14="http://schemas.microsoft.com/office/drawing/2010/main" xmlns="" w="9525">
                     <a:solidFill>
                       <a:srgbClr val="000000"/>
                     </a:solidFill>
@@ -11801,7 +11800,7 @@
               </a:ln>
               <a:extLst>
                 <a:ext uri="{91240B29-F687-4f45-9708-019B960494DF}">
-                  <a14:hiddenLine xmlns="" xmlns:a14="http://schemas.microsoft.com/office/drawing/2010/main" w="9525">
+                  <a14:hiddenLine xmlns:a14="http://schemas.microsoft.com/office/drawing/2010/main" xmlns="" w="9525">
                     <a:solidFill>
                       <a:srgbClr val="000000"/>
                     </a:solidFill>
@@ -11891,7 +11890,7 @@
               </a:ln>
               <a:extLst>
                 <a:ext uri="{91240B29-F687-4f45-9708-019B960494DF}">
-                  <a14:hiddenLine xmlns="" xmlns:a14="http://schemas.microsoft.com/office/drawing/2010/main" w="9525">
+                  <a14:hiddenLine xmlns:a14="http://schemas.microsoft.com/office/drawing/2010/main" xmlns="" w="9525">
                     <a:solidFill>
                       <a:srgbClr val="000000"/>
                     </a:solidFill>
@@ -11925,7 +11924,7 @@
               </a:ln>
               <a:extLst>
                 <a:ext uri="{91240B29-F687-4f45-9708-019B960494DF}">
-                  <a14:hiddenLine xmlns="" xmlns:a14="http://schemas.microsoft.com/office/drawing/2010/main" w="9525">
+                  <a14:hiddenLine xmlns:a14="http://schemas.microsoft.com/office/drawing/2010/main" xmlns="" w="9525">
                     <a:solidFill>
                       <a:srgbClr val="000000"/>
                     </a:solidFill>
@@ -12066,7 +12065,7 @@
             <a:fld id="{B61BEF0D-F0BB-DE4B-95CE-6DB70DBA9567}" type="datetimeFigureOut">
               <a:rPr lang="en-US" smtClean="0"/>
               <a:pPr/>
-              <a:t>8/7/2024</a:t>
+              <a:t>8/8/2024</a:t>
             </a:fld>
             <a:endParaRPr lang="en-US" dirty="0"/>
           </a:p>
@@ -13586,86 +13585,6 @@
           <p:cNvPr id="2" name="Título 1">
             <a:extLst>
               <a:ext uri="{FF2B5EF4-FFF2-40B4-BE49-F238E27FC236}">
-                <a16:creationId xmlns:a16="http://schemas.microsoft.com/office/drawing/2014/main" id="{40F8E595-C714-44C3-0F54-0AA46CB6F2A3}"/>
-              </a:ext>
-            </a:extLst>
-          </p:cNvPr>
-          <p:cNvSpPr>
-            <a:spLocks noGrp="1"/>
-          </p:cNvSpPr>
-          <p:nvPr>
-            <p:ph type="title"/>
-          </p:nvPr>
-        </p:nvSpPr>
-        <p:spPr/>
-        <p:txBody>
-          <a:bodyPr/>
-          <a:lstStyle/>
-          <a:p>
-            <a:endParaRPr lang="pt-BR"/>
-          </a:p>
-        </p:txBody>
-      </p:sp>
-      <p:sp>
-        <p:nvSpPr>
-          <p:cNvPr id="3" name="Espaço Reservado para Conteúdo 2">
-            <a:extLst>
-              <a:ext uri="{FF2B5EF4-FFF2-40B4-BE49-F238E27FC236}">
-                <a16:creationId xmlns:a16="http://schemas.microsoft.com/office/drawing/2014/main" id="{322E3F7F-6CE6-536A-CC6B-FA84B7F452FC}"/>
-              </a:ext>
-            </a:extLst>
-          </p:cNvPr>
-          <p:cNvSpPr>
-            <a:spLocks noGrp="1"/>
-          </p:cNvSpPr>
-          <p:nvPr>
-            <p:ph idx="1"/>
-          </p:nvPr>
-        </p:nvSpPr>
-        <p:spPr/>
-        <p:txBody>
-          <a:bodyPr/>
-          <a:lstStyle/>
-          <a:p>
-            <a:endParaRPr lang="pt-BR"/>
-          </a:p>
-        </p:txBody>
-      </p:sp>
-    </p:spTree>
-    <p:extLst>
-      <p:ext uri="{BB962C8B-B14F-4D97-AF65-F5344CB8AC3E}">
-        <p14:creationId xmlns:p14="http://schemas.microsoft.com/office/powerpoint/2010/main" val="4243340312"/>
-      </p:ext>
-    </p:extLst>
-  </p:cSld>
-  <p:clrMapOvr>
-    <a:masterClrMapping/>
-  </p:clrMapOvr>
-</p:sld>
-</file>
-
-<file path=ppt/slides/slide19.xml><?xml version="1.0" encoding="utf-8"?>
-<p:sld xmlns:a="http://schemas.openxmlformats.org/drawingml/2006/main" xmlns:r="http://schemas.openxmlformats.org/officeDocument/2006/relationships" xmlns:p="http://schemas.openxmlformats.org/presentationml/2006/main">
-  <p:cSld>
-    <p:spTree>
-      <p:nvGrpSpPr>
-        <p:cNvPr id="1" name=""/>
-        <p:cNvGrpSpPr/>
-        <p:nvPr/>
-      </p:nvGrpSpPr>
-      <p:grpSpPr>
-        <a:xfrm>
-          <a:off x="0" y="0"/>
-          <a:ext cx="0" cy="0"/>
-          <a:chOff x="0" y="0"/>
-          <a:chExt cx="0" cy="0"/>
-        </a:xfrm>
-      </p:grpSpPr>
-      <p:sp>
-        <p:nvSpPr>
-          <p:cNvPr id="2" name="Título 1">
-            <a:extLst>
-              <a:ext uri="{FF2B5EF4-FFF2-40B4-BE49-F238E27FC236}">
                 <a16:creationId xmlns:a16="http://schemas.microsoft.com/office/drawing/2014/main" id="{D72C6E9D-3807-48B0-8284-D2E76E3731AA}"/>
               </a:ext>
             </a:extLst>
@@ -13910,6 +13829,99 @@
 </p:sld>
 </file>
 
+<file path=ppt/slides/slide19.xml><?xml version="1.0" encoding="utf-8"?>
+<p:sld xmlns:a="http://schemas.openxmlformats.org/drawingml/2006/main" xmlns:r="http://schemas.openxmlformats.org/officeDocument/2006/relationships" xmlns:p="http://schemas.openxmlformats.org/presentationml/2006/main">
+  <p:cSld>
+    <p:spTree>
+      <p:nvGrpSpPr>
+        <p:cNvPr id="1" name=""/>
+        <p:cNvGrpSpPr/>
+        <p:nvPr/>
+      </p:nvGrpSpPr>
+      <p:grpSpPr>
+        <a:xfrm>
+          <a:off x="0" y="0"/>
+          <a:ext cx="0" cy="0"/>
+          <a:chOff x="0" y="0"/>
+          <a:chExt cx="0" cy="0"/>
+        </a:xfrm>
+      </p:grpSpPr>
+      <p:sp>
+        <p:nvSpPr>
+          <p:cNvPr id="2" name="Título 1">
+            <a:extLst>
+              <a:ext uri="{FF2B5EF4-FFF2-40B4-BE49-F238E27FC236}">
+                <a16:creationId xmlns:a16="http://schemas.microsoft.com/office/drawing/2014/main" id="{3368968C-8431-DB78-D876-FF124F254154}"/>
+              </a:ext>
+            </a:extLst>
+          </p:cNvPr>
+          <p:cNvSpPr>
+            <a:spLocks noGrp="1"/>
+          </p:cNvSpPr>
+          <p:nvPr>
+            <p:ph type="title"/>
+          </p:nvPr>
+        </p:nvSpPr>
+        <p:spPr/>
+        <p:txBody>
+          <a:bodyPr/>
+          <a:lstStyle/>
+          <a:p>
+            <a:r>
+              <a:rPr lang="pt-BR" dirty="0"/>
+              <a:t>Conclusão</a:t>
+            </a:r>
+          </a:p>
+        </p:txBody>
+      </p:sp>
+      <p:sp>
+        <p:nvSpPr>
+          <p:cNvPr id="3" name="Espaço Reservado para Conteúdo 2">
+            <a:extLst>
+              <a:ext uri="{FF2B5EF4-FFF2-40B4-BE49-F238E27FC236}">
+                <a16:creationId xmlns:a16="http://schemas.microsoft.com/office/drawing/2014/main" id="{38EE1FCD-53A0-8FF1-B013-920EE6723331}"/>
+              </a:ext>
+            </a:extLst>
+          </p:cNvPr>
+          <p:cNvSpPr>
+            <a:spLocks noGrp="1"/>
+          </p:cNvSpPr>
+          <p:nvPr>
+            <p:ph idx="1"/>
+          </p:nvPr>
+        </p:nvSpPr>
+        <p:spPr>
+          <a:xfrm>
+            <a:off x="685801" y="1770446"/>
+            <a:ext cx="10131425" cy="2471225"/>
+          </a:xfrm>
+        </p:spPr>
+        <p:txBody>
+          <a:bodyPr>
+            <a:normAutofit/>
+          </a:bodyPr>
+          <a:lstStyle/>
+          <a:p>
+            <a:r>
+              <a:rPr lang="pt-BR" sz="2000" dirty="0"/>
+              <a:t>As redes sociais transformaram a maneira como as empresas operam e se conectam com seus clientes. Elas oferecem uma plataforma poderosa para aumentar a visibilidade, engajar com os consumidores, segmentar o público de forma precisa e, finalmente, aumentar as vendas. No ambiente de negócios atual, uma presença ativa e estratégica nas redes sociais é essencial para o sucesso.</a:t>
+            </a:r>
+          </a:p>
+        </p:txBody>
+      </p:sp>
+    </p:spTree>
+    <p:extLst>
+      <p:ext uri="{BB962C8B-B14F-4D97-AF65-F5344CB8AC3E}">
+        <p14:creationId xmlns:p14="http://schemas.microsoft.com/office/powerpoint/2010/main" val="1216699253"/>
+      </p:ext>
+    </p:extLst>
+  </p:cSld>
+  <p:clrMapOvr>
+    <a:masterClrMapping/>
+  </p:clrMapOvr>
+</p:sld>
+</file>
+
 <file path=ppt/slides/slide2.xml><?xml version="1.0" encoding="utf-8"?>
 <p:sld xmlns:a="http://schemas.openxmlformats.org/drawingml/2006/main" xmlns:r="http://schemas.openxmlformats.org/officeDocument/2006/relationships" xmlns:p="http://schemas.openxmlformats.org/presentationml/2006/main">
   <p:cSld>
@@ -14004,99 +14016,6 @@
     <p:extLst>
       <p:ext uri="{BB962C8B-B14F-4D97-AF65-F5344CB8AC3E}">
         <p14:creationId xmlns:p14="http://schemas.microsoft.com/office/powerpoint/2010/main" val="1557412390"/>
-      </p:ext>
-    </p:extLst>
-  </p:cSld>
-  <p:clrMapOvr>
-    <a:masterClrMapping/>
-  </p:clrMapOvr>
-</p:sld>
-</file>
-
-<file path=ppt/slides/slide20.xml><?xml version="1.0" encoding="utf-8"?>
-<p:sld xmlns:a="http://schemas.openxmlformats.org/drawingml/2006/main" xmlns:r="http://schemas.openxmlformats.org/officeDocument/2006/relationships" xmlns:p="http://schemas.openxmlformats.org/presentationml/2006/main">
-  <p:cSld>
-    <p:spTree>
-      <p:nvGrpSpPr>
-        <p:cNvPr id="1" name=""/>
-        <p:cNvGrpSpPr/>
-        <p:nvPr/>
-      </p:nvGrpSpPr>
-      <p:grpSpPr>
-        <a:xfrm>
-          <a:off x="0" y="0"/>
-          <a:ext cx="0" cy="0"/>
-          <a:chOff x="0" y="0"/>
-          <a:chExt cx="0" cy="0"/>
-        </a:xfrm>
-      </p:grpSpPr>
-      <p:sp>
-        <p:nvSpPr>
-          <p:cNvPr id="2" name="Título 1">
-            <a:extLst>
-              <a:ext uri="{FF2B5EF4-FFF2-40B4-BE49-F238E27FC236}">
-                <a16:creationId xmlns:a16="http://schemas.microsoft.com/office/drawing/2014/main" id="{3368968C-8431-DB78-D876-FF124F254154}"/>
-              </a:ext>
-            </a:extLst>
-          </p:cNvPr>
-          <p:cNvSpPr>
-            <a:spLocks noGrp="1"/>
-          </p:cNvSpPr>
-          <p:nvPr>
-            <p:ph type="title"/>
-          </p:nvPr>
-        </p:nvSpPr>
-        <p:spPr/>
-        <p:txBody>
-          <a:bodyPr/>
-          <a:lstStyle/>
-          <a:p>
-            <a:r>
-              <a:rPr lang="pt-BR" dirty="0"/>
-              <a:t>Conclusão</a:t>
-            </a:r>
-          </a:p>
-        </p:txBody>
-      </p:sp>
-      <p:sp>
-        <p:nvSpPr>
-          <p:cNvPr id="3" name="Espaço Reservado para Conteúdo 2">
-            <a:extLst>
-              <a:ext uri="{FF2B5EF4-FFF2-40B4-BE49-F238E27FC236}">
-                <a16:creationId xmlns:a16="http://schemas.microsoft.com/office/drawing/2014/main" id="{38EE1FCD-53A0-8FF1-B013-920EE6723331}"/>
-              </a:ext>
-            </a:extLst>
-          </p:cNvPr>
-          <p:cNvSpPr>
-            <a:spLocks noGrp="1"/>
-          </p:cNvSpPr>
-          <p:nvPr>
-            <p:ph idx="1"/>
-          </p:nvPr>
-        </p:nvSpPr>
-        <p:spPr>
-          <a:xfrm>
-            <a:off x="685801" y="1770446"/>
-            <a:ext cx="10131425" cy="2471225"/>
-          </a:xfrm>
-        </p:spPr>
-        <p:txBody>
-          <a:bodyPr>
-            <a:normAutofit/>
-          </a:bodyPr>
-          <a:lstStyle/>
-          <a:p>
-            <a:r>
-              <a:rPr lang="pt-BR" sz="2000" dirty="0"/>
-              <a:t>As redes sociais transformaram a maneira como as empresas operam e se conectam com seus clientes. Elas oferecem uma plataforma poderosa para aumentar a visibilidade, engajar com os consumidores, segmentar o público de forma precisa e, finalmente, aumentar as vendas. No ambiente de negócios atual, uma presença ativa e estratégica nas redes sociais é essencial para o sucesso.</a:t>
-            </a:r>
-          </a:p>
-        </p:txBody>
-      </p:sp>
-    </p:spTree>
-    <p:extLst>
-      <p:ext uri="{BB962C8B-B14F-4D97-AF65-F5344CB8AC3E}">
-        <p14:creationId xmlns:p14="http://schemas.microsoft.com/office/powerpoint/2010/main" val="1216699253"/>
       </p:ext>
     </p:extLst>
   </p:cSld>
